--- a/reports/1 - preetude/figure/interface.pptx
+++ b/reports/1 - preetude/figure/interface.pptx
@@ -3108,6 +3108,159 @@
       </p:sp>
       <p:sp>
         <p:nvSpPr>
+          <p:cNvPr id="8" name="Rectangle 7"/>
+          <p:cNvSpPr/>
+          <p:nvPr/>
+        </p:nvSpPr>
+        <p:spPr>
+          <a:xfrm>
+            <a:off x="10390175" y="428879"/>
+            <a:ext cx="1691235" cy="2998099"/>
+          </a:xfrm>
+          <a:prstGeom prst="rect">
+            <a:avLst/>
+          </a:prstGeom>
+        </p:spPr>
+        <p:style>
+          <a:lnRef idx="2">
+            <a:schemeClr val="accent6"/>
+          </a:lnRef>
+          <a:fillRef idx="1">
+            <a:schemeClr val="lt1"/>
+          </a:fillRef>
+          <a:effectRef idx="0">
+            <a:schemeClr val="accent6"/>
+          </a:effectRef>
+          <a:fontRef idx="minor">
+            <a:schemeClr val="dk1"/>
+          </a:fontRef>
+        </p:style>
+        <p:txBody>
+          <a:bodyPr rot="0" spcFirstLastPara="0" vertOverflow="overflow" horzOverflow="overflow" vert="horz" wrap="square" lIns="91440" tIns="45720" rIns="91440" bIns="45720" numCol="1" spcCol="0" rtlCol="0" fromWordArt="0" anchor="ctr" anchorCtr="0" forceAA="0" compatLnSpc="1">
+            <a:prstTxWarp prst="textNoShape">
+              <a:avLst/>
+            </a:prstTxWarp>
+            <a:noAutofit/>
+          </a:bodyPr>
+          <a:lstStyle/>
+          <a:p>
+            <a:pPr algn="ctr"/>
+            <a:r>
+              <a:rPr lang="fr-FR" dirty="0"/>
+              <a:t>Fonction de synthèse</a:t>
+            </a:r>
+          </a:p>
+        </p:txBody>
+      </p:sp>
+      <p:sp>
+        <p:nvSpPr>
+          <p:cNvPr id="9" name="Rectangle 8"/>
+          <p:cNvSpPr/>
+          <p:nvPr/>
+        </p:nvSpPr>
+        <p:spPr>
+          <a:xfrm>
+            <a:off x="10390175" y="3426978"/>
+            <a:ext cx="1691235" cy="3337965"/>
+          </a:xfrm>
+          <a:prstGeom prst="rect">
+            <a:avLst/>
+          </a:prstGeom>
+        </p:spPr>
+        <p:style>
+          <a:lnRef idx="2">
+            <a:schemeClr val="accent6"/>
+          </a:lnRef>
+          <a:fillRef idx="1">
+            <a:schemeClr val="lt1"/>
+          </a:fillRef>
+          <a:effectRef idx="0">
+            <a:schemeClr val="accent6"/>
+          </a:effectRef>
+          <a:fontRef idx="minor">
+            <a:schemeClr val="dk1"/>
+          </a:fontRef>
+        </p:style>
+        <p:txBody>
+          <a:bodyPr rot="0" spcFirstLastPara="0" vertOverflow="overflow" horzOverflow="overflow" vert="horz" wrap="square" lIns="91440" tIns="45720" rIns="91440" bIns="45720" numCol="1" spcCol="0" rtlCol="0" fromWordArt="0" anchor="ctr" anchorCtr="0" forceAA="0" compatLnSpc="1">
+            <a:prstTxWarp prst="textNoShape">
+              <a:avLst/>
+            </a:prstTxWarp>
+            <a:noAutofit/>
+          </a:bodyPr>
+          <a:lstStyle/>
+          <a:p>
+            <a:pPr algn="ctr"/>
+            <a:r>
+              <a:rPr lang="fr-FR" dirty="0"/>
+              <a:t>Filtre</a:t>
+            </a:r>
+          </a:p>
+          <a:p>
+            <a:pPr algn="ctr"/>
+            <a:r>
+              <a:rPr lang="fr-FR" dirty="0"/>
+              <a:t>Liste de critères</a:t>
+            </a:r>
+          </a:p>
+        </p:txBody>
+      </p:sp>
+      <p:sp>
+        <p:nvSpPr>
+          <p:cNvPr id="10" name="Rectangle 9"/>
+          <p:cNvSpPr/>
+          <p:nvPr/>
+        </p:nvSpPr>
+        <p:spPr>
+          <a:xfrm>
+            <a:off x="1820708" y="428879"/>
+            <a:ext cx="8569467" cy="6336064"/>
+          </a:xfrm>
+          <a:prstGeom prst="rect">
+            <a:avLst/>
+          </a:prstGeom>
+        </p:spPr>
+        <p:style>
+          <a:lnRef idx="2">
+            <a:schemeClr val="accent4"/>
+          </a:lnRef>
+          <a:fillRef idx="1">
+            <a:schemeClr val="lt1"/>
+          </a:fillRef>
+          <a:effectRef idx="0">
+            <a:schemeClr val="accent4"/>
+          </a:effectRef>
+          <a:fontRef idx="minor">
+            <a:schemeClr val="dk1"/>
+          </a:fontRef>
+        </p:style>
+        <p:txBody>
+          <a:bodyPr rot="0" spcFirstLastPara="0" vertOverflow="overflow" horzOverflow="overflow" vert="horz" wrap="square" lIns="91440" tIns="45720" rIns="91440" bIns="45720" numCol="1" spcCol="0" rtlCol="0" fromWordArt="0" anchor="ctr" anchorCtr="0" forceAA="0" compatLnSpc="1">
+            <a:prstTxWarp prst="textNoShape">
+              <a:avLst/>
+            </a:prstTxWarp>
+            <a:noAutofit/>
+          </a:bodyPr>
+          <a:lstStyle/>
+          <a:p>
+            <a:pPr algn="ctr"/>
+            <a:r>
+              <a:rPr lang="fr-FR" dirty="0"/>
+              <a:t>Zone d’édition</a:t>
+            </a:r>
+          </a:p>
+          <a:p>
+            <a:pPr algn="ctr"/>
+            <a:r>
+              <a:rPr lang="fr-FR" dirty="0" err="1"/>
+              <a:t>ADTool</a:t>
+            </a:r>
+            <a:endParaRPr lang="fr-FR" dirty="0"/>
+          </a:p>
+        </p:txBody>
+      </p:sp>
+      <p:sp>
+        <p:nvSpPr>
           <p:cNvPr id="5" name="Rectangle 4"/>
           <p:cNvSpPr/>
           <p:nvPr/>
@@ -3146,11 +3299,11 @@
           <a:p>
             <a:pPr algn="ctr"/>
             <a:r>
-              <a:rPr lang="en-US" smtClean="0"/>
+              <a:rPr lang="en-US" dirty="0" smtClean="0"/>
               <a:t>Menu et b</a:t>
             </a:r>
             <a:r>
-              <a:rPr lang="fr-FR" smtClean="0"/>
+              <a:rPr lang="fr-FR" dirty="0" err="1" smtClean="0"/>
               <a:t>arre</a:t>
             </a:r>
             <a:r>
@@ -3161,159 +3314,6 @@
               <a:rPr lang="fr-FR" dirty="0"/>
               <a:t>d’outils</a:t>
             </a:r>
-          </a:p>
-        </p:txBody>
-      </p:sp>
-      <p:sp>
-        <p:nvSpPr>
-          <p:cNvPr id="8" name="Rectangle 7"/>
-          <p:cNvSpPr/>
-          <p:nvPr/>
-        </p:nvSpPr>
-        <p:spPr>
-          <a:xfrm>
-            <a:off x="10390175" y="428879"/>
-            <a:ext cx="1691235" cy="2998099"/>
-          </a:xfrm>
-          <a:prstGeom prst="rect">
-            <a:avLst/>
-          </a:prstGeom>
-        </p:spPr>
-        <p:style>
-          <a:lnRef idx="2">
-            <a:schemeClr val="accent6"/>
-          </a:lnRef>
-          <a:fillRef idx="1">
-            <a:schemeClr val="lt1"/>
-          </a:fillRef>
-          <a:effectRef idx="0">
-            <a:schemeClr val="accent6"/>
-          </a:effectRef>
-          <a:fontRef idx="minor">
-            <a:schemeClr val="dk1"/>
-          </a:fontRef>
-        </p:style>
-        <p:txBody>
-          <a:bodyPr rot="0" spcFirstLastPara="0" vertOverflow="overflow" horzOverflow="overflow" vert="horz" wrap="square" lIns="91440" tIns="45720" rIns="91440" bIns="45720" numCol="1" spcCol="0" rtlCol="0" fromWordArt="0" anchor="ctr" anchorCtr="0" forceAA="0" compatLnSpc="1">
-            <a:prstTxWarp prst="textNoShape">
-              <a:avLst/>
-            </a:prstTxWarp>
-            <a:noAutofit/>
-          </a:bodyPr>
-          <a:lstStyle/>
-          <a:p>
-            <a:pPr algn="ctr"/>
-            <a:r>
-              <a:rPr lang="fr-FR" dirty="0"/>
-              <a:t>Fonction de synthèse</a:t>
-            </a:r>
-          </a:p>
-        </p:txBody>
-      </p:sp>
-      <p:sp>
-        <p:nvSpPr>
-          <p:cNvPr id="9" name="Rectangle 8"/>
-          <p:cNvSpPr/>
-          <p:nvPr/>
-        </p:nvSpPr>
-        <p:spPr>
-          <a:xfrm>
-            <a:off x="10390175" y="3426978"/>
-            <a:ext cx="1691235" cy="3337965"/>
-          </a:xfrm>
-          <a:prstGeom prst="rect">
-            <a:avLst/>
-          </a:prstGeom>
-        </p:spPr>
-        <p:style>
-          <a:lnRef idx="2">
-            <a:schemeClr val="accent6"/>
-          </a:lnRef>
-          <a:fillRef idx="1">
-            <a:schemeClr val="lt1"/>
-          </a:fillRef>
-          <a:effectRef idx="0">
-            <a:schemeClr val="accent6"/>
-          </a:effectRef>
-          <a:fontRef idx="minor">
-            <a:schemeClr val="dk1"/>
-          </a:fontRef>
-        </p:style>
-        <p:txBody>
-          <a:bodyPr rot="0" spcFirstLastPara="0" vertOverflow="overflow" horzOverflow="overflow" vert="horz" wrap="square" lIns="91440" tIns="45720" rIns="91440" bIns="45720" numCol="1" spcCol="0" rtlCol="0" fromWordArt="0" anchor="ctr" anchorCtr="0" forceAA="0" compatLnSpc="1">
-            <a:prstTxWarp prst="textNoShape">
-              <a:avLst/>
-            </a:prstTxWarp>
-            <a:noAutofit/>
-          </a:bodyPr>
-          <a:lstStyle/>
-          <a:p>
-            <a:pPr algn="ctr"/>
-            <a:r>
-              <a:rPr lang="fr-FR" dirty="0"/>
-              <a:t>Filtre</a:t>
-            </a:r>
-          </a:p>
-          <a:p>
-            <a:pPr algn="ctr"/>
-            <a:r>
-              <a:rPr lang="fr-FR" dirty="0"/>
-              <a:t>Liste de critères</a:t>
-            </a:r>
-          </a:p>
-        </p:txBody>
-      </p:sp>
-      <p:sp>
-        <p:nvSpPr>
-          <p:cNvPr id="10" name="Rectangle 9"/>
-          <p:cNvSpPr/>
-          <p:nvPr/>
-        </p:nvSpPr>
-        <p:spPr>
-          <a:xfrm>
-            <a:off x="1820708" y="428879"/>
-            <a:ext cx="8569467" cy="6336064"/>
-          </a:xfrm>
-          <a:prstGeom prst="rect">
-            <a:avLst/>
-          </a:prstGeom>
-        </p:spPr>
-        <p:style>
-          <a:lnRef idx="2">
-            <a:schemeClr val="accent4"/>
-          </a:lnRef>
-          <a:fillRef idx="1">
-            <a:schemeClr val="lt1"/>
-          </a:fillRef>
-          <a:effectRef idx="0">
-            <a:schemeClr val="accent4"/>
-          </a:effectRef>
-          <a:fontRef idx="minor">
-            <a:schemeClr val="dk1"/>
-          </a:fontRef>
-        </p:style>
-        <p:txBody>
-          <a:bodyPr rot="0" spcFirstLastPara="0" vertOverflow="overflow" horzOverflow="overflow" vert="horz" wrap="square" lIns="91440" tIns="45720" rIns="91440" bIns="45720" numCol="1" spcCol="0" rtlCol="0" fromWordArt="0" anchor="ctr" anchorCtr="0" forceAA="0" compatLnSpc="1">
-            <a:prstTxWarp prst="textNoShape">
-              <a:avLst/>
-            </a:prstTxWarp>
-            <a:noAutofit/>
-          </a:bodyPr>
-          <a:lstStyle/>
-          <a:p>
-            <a:pPr algn="ctr"/>
-            <a:r>
-              <a:rPr lang="fr-FR" dirty="0"/>
-              <a:t>Zone d’édition</a:t>
-            </a:r>
-          </a:p>
-          <a:p>
-            <a:pPr algn="ctr"/>
-            <a:r>
-              <a:rPr lang="fr-FR" dirty="0" err="1"/>
-              <a:t>ADTool</a:t>
-            </a:r>
-            <a:endParaRPr lang="fr-FR" dirty="0"/>
           </a:p>
         </p:txBody>
       </p:sp>

--- a/reports/1 - preetude/figure/interface.pptx
+++ b/reports/1 - preetude/figure/interface.pptx
@@ -2978,6 +2978,7 @@
           <a:prstGeom prst="rect">
             <a:avLst/>
           </a:prstGeom>
+          <a:ln w="19050"/>
         </p:spPr>
         <p:style>
           <a:lnRef idx="2">
@@ -3021,6 +3022,7 @@
           <a:prstGeom prst="rect">
             <a:avLst/>
           </a:prstGeom>
+          <a:ln w="19050"/>
         </p:spPr>
         <p:style>
           <a:lnRef idx="2">
@@ -3074,6 +3076,7 @@
           <a:prstGeom prst="rect">
             <a:avLst/>
           </a:prstGeom>
+          <a:ln w="19050"/>
         </p:spPr>
         <p:style>
           <a:lnRef idx="2">
@@ -3120,6 +3123,7 @@
           <a:prstGeom prst="rect">
             <a:avLst/>
           </a:prstGeom>
+          <a:ln w="19050"/>
         </p:spPr>
         <p:style>
           <a:lnRef idx="2">
@@ -3166,6 +3170,7 @@
           <a:prstGeom prst="rect">
             <a:avLst/>
           </a:prstGeom>
+          <a:ln w="19050"/>
         </p:spPr>
         <p:style>
           <a:lnRef idx="2">
@@ -3219,6 +3224,7 @@
           <a:prstGeom prst="rect">
             <a:avLst/>
           </a:prstGeom>
+          <a:ln w="19050"/>
         </p:spPr>
         <p:style>
           <a:lnRef idx="2">
@@ -3273,6 +3279,7 @@
           <a:prstGeom prst="rect">
             <a:avLst/>
           </a:prstGeom>
+          <a:ln w="19050"/>
         </p:spPr>
         <p:style>
           <a:lnRef idx="2">
